--- a/report_gen/templates/rva-template.pptx
+++ b/report_gen/templates/rva-template.pptx
@@ -226,14 +226,7 @@
             <a:pPr>
               <a:defRPr/>
             </a:pPr>
-            <a:r>
-              <a:rPr lang="en-US" sz="1200" b="1" spc="300" dirty="0"/>
-              <a:t>CISA | </a:t>
-            </a:r>
-            <a:r>
-              <a:rPr lang="en-US" sz="1200" spc="300" dirty="0"/>
-              <a:t>CYBERSECURITY AND INFRASTRUCTURE SECURITY AGENCY</a:t>
-            </a:r>
+            <a:endParaRPr lang="en-US" sz="1200" spc="300" dirty="0"/>
           </a:p>
         </p:txBody>
       </p:sp>
@@ -271,42 +264,6 @@
           </a:extLst>
         </p:spPr>
       </p:cxnSp>
-      <p:pic>
-        <p:nvPicPr>
-          <p:cNvPr id="8" name="Picture 7" descr="A close up of a sign&#10;&#10;Description automatically generated">
-            <a:extLst>
-              <a:ext uri="{FF2B5EF4-FFF2-40B4-BE49-F238E27FC236}">
-                <a16:creationId xmlns:a16="http://schemas.microsoft.com/office/drawing/2014/main" id="{82BB845F-D522-D84F-826A-4D25BD0C4BC1}"/>
-              </a:ext>
-            </a:extLst>
-          </p:cNvPr>
-          <p:cNvPicPr>
-            <a:picLocks noChangeAspect="1"/>
-          </p:cNvPicPr>
-          <p:nvPr userDrawn="1"/>
-        </p:nvPicPr>
-        <p:blipFill>
-          <a:blip r:embed="rId2" cstate="print">
-            <a:extLst>
-              <a:ext uri="{28A0092B-C50C-407E-A947-70E740481C1C}">
-                <a14:useLocalDpi xmlns:a14="http://schemas.microsoft.com/office/drawing/2010/main" val="0"/>
-              </a:ext>
-            </a:extLst>
-          </a:blip>
-          <a:stretch>
-            <a:fillRect/>
-          </a:stretch>
-        </p:blipFill>
-        <p:spPr>
-          <a:xfrm>
-            <a:off x="457200" y="5631180"/>
-            <a:ext cx="1005840" cy="1005840"/>
-          </a:xfrm>
-          <a:prstGeom prst="rect">
-            <a:avLst/>
-          </a:prstGeom>
-        </p:spPr>
-      </p:pic>
       <p:sp>
         <p:nvSpPr>
           <p:cNvPr id="2" name="TextBox 1">
@@ -608,7 +565,7 @@
                   <a:srgbClr val="5A5B5C"/>
                 </a:solidFill>
               </a:rPr>
-              <a:t>FOR OFFICIAL USE ONLY</a:t>
+              <a:t>CONFIDENTIAL</a:t>
             </a:r>
           </a:p>
         </p:txBody>
@@ -1071,42 +1028,6 @@
           </a:p>
         </p:txBody>
       </p:sp>
-      <p:pic>
-        <p:nvPicPr>
-          <p:cNvPr id="10" name="Picture 9" descr="A close up of a logo&#10;&#10;Description automatically generated">
-            <a:extLst>
-              <a:ext uri="{FF2B5EF4-FFF2-40B4-BE49-F238E27FC236}">
-                <a16:creationId xmlns:a16="http://schemas.microsoft.com/office/drawing/2014/main" id="{40A1BCC4-E0EE-094C-8D28-ECEDF7F4A354}"/>
-              </a:ext>
-            </a:extLst>
-          </p:cNvPr>
-          <p:cNvPicPr>
-            <a:picLocks noChangeAspect="1"/>
-          </p:cNvPicPr>
-          <p:nvPr userDrawn="1"/>
-        </p:nvPicPr>
-        <p:blipFill>
-          <a:blip r:embed="rId2" cstate="print">
-            <a:extLst>
-              <a:ext uri="{28A0092B-C50C-407E-A947-70E740481C1C}">
-                <a14:useLocalDpi xmlns:a14="http://schemas.microsoft.com/office/drawing/2010/main" val="0"/>
-              </a:ext>
-            </a:extLst>
-          </a:blip>
-          <a:stretch>
-            <a:fillRect/>
-          </a:stretch>
-        </p:blipFill>
-        <p:spPr>
-          <a:xfrm>
-            <a:off x="1054894" y="2187575"/>
-            <a:ext cx="2482850" cy="2482850"/>
-          </a:xfrm>
-          <a:prstGeom prst="rect">
-            <a:avLst/>
-          </a:prstGeom>
-        </p:spPr>
-      </p:pic>
     </p:spTree>
     <p:extLst>
       <p:ext uri="{BB962C8B-B14F-4D97-AF65-F5344CB8AC3E}">
@@ -1328,42 +1249,6 @@
           </a:p>
         </p:txBody>
       </p:sp>
-      <p:pic>
-        <p:nvPicPr>
-          <p:cNvPr id="10" name="Picture 9" descr="A close up of a logo&#10;&#10;Description automatically generated">
-            <a:extLst>
-              <a:ext uri="{FF2B5EF4-FFF2-40B4-BE49-F238E27FC236}">
-                <a16:creationId xmlns:a16="http://schemas.microsoft.com/office/drawing/2014/main" id="{40A1BCC4-E0EE-094C-8D28-ECEDF7F4A354}"/>
-              </a:ext>
-            </a:extLst>
-          </p:cNvPr>
-          <p:cNvPicPr>
-            <a:picLocks noChangeAspect="1"/>
-          </p:cNvPicPr>
-          <p:nvPr userDrawn="1"/>
-        </p:nvPicPr>
-        <p:blipFill>
-          <a:blip r:embed="rId2" cstate="print">
-            <a:extLst>
-              <a:ext uri="{28A0092B-C50C-407E-A947-70E740481C1C}">
-                <a14:useLocalDpi xmlns:a14="http://schemas.microsoft.com/office/drawing/2010/main" val="0"/>
-              </a:ext>
-            </a:extLst>
-          </a:blip>
-          <a:stretch>
-            <a:fillRect/>
-          </a:stretch>
-        </p:blipFill>
-        <p:spPr>
-          <a:xfrm>
-            <a:off x="1054894" y="2187575"/>
-            <a:ext cx="2482850" cy="2482850"/>
-          </a:xfrm>
-          <a:prstGeom prst="rect">
-            <a:avLst/>
-          </a:prstGeom>
-        </p:spPr>
-      </p:pic>
       <p:sp>
         <p:nvSpPr>
           <p:cNvPr id="3" name="TextBox 2">
@@ -1999,42 +1884,6 @@
           </a:p>
         </p:txBody>
       </p:sp>
-      <p:pic>
-        <p:nvPicPr>
-          <p:cNvPr id="10" name="Picture 9" descr="A close up of a logo&#10;&#10;Description automatically generated">
-            <a:extLst>
-              <a:ext uri="{FF2B5EF4-FFF2-40B4-BE49-F238E27FC236}">
-                <a16:creationId xmlns:a16="http://schemas.microsoft.com/office/drawing/2014/main" id="{40A1BCC4-E0EE-094C-8D28-ECEDF7F4A354}"/>
-              </a:ext>
-            </a:extLst>
-          </p:cNvPr>
-          <p:cNvPicPr>
-            <a:picLocks noChangeAspect="1"/>
-          </p:cNvPicPr>
-          <p:nvPr userDrawn="1"/>
-        </p:nvPicPr>
-        <p:blipFill>
-          <a:blip r:embed="rId2" cstate="print">
-            <a:extLst>
-              <a:ext uri="{28A0092B-C50C-407E-A947-70E740481C1C}">
-                <a14:useLocalDpi xmlns:a14="http://schemas.microsoft.com/office/drawing/2010/main" val="0"/>
-              </a:ext>
-            </a:extLst>
-          </a:blip>
-          <a:stretch>
-            <a:fillRect/>
-          </a:stretch>
-        </p:blipFill>
-        <p:spPr>
-          <a:xfrm>
-            <a:off x="1054894" y="2187575"/>
-            <a:ext cx="2482850" cy="2482850"/>
-          </a:xfrm>
-          <a:prstGeom prst="rect">
-            <a:avLst/>
-          </a:prstGeom>
-        </p:spPr>
-      </p:pic>
       <p:sp>
         <p:nvSpPr>
           <p:cNvPr id="9" name="Text Placeholder 12">
@@ -2304,42 +2153,6 @@
           </a:p>
         </p:txBody>
       </p:sp>
-      <p:pic>
-        <p:nvPicPr>
-          <p:cNvPr id="10" name="Picture 9" descr="A close up of a logo&#10;&#10;Description automatically generated">
-            <a:extLst>
-              <a:ext uri="{FF2B5EF4-FFF2-40B4-BE49-F238E27FC236}">
-                <a16:creationId xmlns:a16="http://schemas.microsoft.com/office/drawing/2014/main" id="{40A1BCC4-E0EE-094C-8D28-ECEDF7F4A354}"/>
-              </a:ext>
-            </a:extLst>
-          </p:cNvPr>
-          <p:cNvPicPr>
-            <a:picLocks noChangeAspect="1"/>
-          </p:cNvPicPr>
-          <p:nvPr userDrawn="1"/>
-        </p:nvPicPr>
-        <p:blipFill>
-          <a:blip r:embed="rId2" cstate="print">
-            <a:extLst>
-              <a:ext uri="{28A0092B-C50C-407E-A947-70E740481C1C}">
-                <a14:useLocalDpi xmlns:a14="http://schemas.microsoft.com/office/drawing/2010/main" val="0"/>
-              </a:ext>
-            </a:extLst>
-          </a:blip>
-          <a:stretch>
-            <a:fillRect/>
-          </a:stretch>
-        </p:blipFill>
-        <p:spPr>
-          <a:xfrm>
-            <a:off x="1054894" y="2187575"/>
-            <a:ext cx="2482850" cy="2482850"/>
-          </a:xfrm>
-          <a:prstGeom prst="rect">
-            <a:avLst/>
-          </a:prstGeom>
-        </p:spPr>
-      </p:pic>
       <p:sp>
         <p:nvSpPr>
           <p:cNvPr id="3" name="TextBox 2">
@@ -2401,8 +2214,8 @@
         </p:nvSpPr>
         <p:spPr bwMode="auto">
           <a:xfrm>
-            <a:off x="5212325" y="1973907"/>
-            <a:ext cx="3717749" cy="2769989"/>
+            <a:off x="5141794" y="1973907"/>
+            <a:ext cx="3788280" cy="2431435"/>
           </a:xfrm>
           <a:prstGeom prst="rect">
             <a:avLst/>
@@ -2555,24 +2368,21 @@
                 </a:solidFill>
                 <a:latin typeface="+mn-lt"/>
               </a:rPr>
-              <a:t>More information:</a:t>
+              <a:t>For more information,</a:t>
             </a:r>
           </a:p>
           <a:p>
             <a:pPr algn="r">
-              <a:lnSpc>
-                <a:spcPts val="2400"/>
-              </a:lnSpc>
               <a:defRPr/>
             </a:pPr>
             <a:r>
-              <a:rPr lang="en-US" altLang="en-US" sz="1800" b="1" dirty="0" err="1">
+              <a:rPr lang="en-US" altLang="en-US" sz="1800" dirty="0">
                 <a:solidFill>
                   <a:srgbClr val="5A5B5C"/>
                 </a:solidFill>
                 <a:latin typeface="+mn-lt"/>
               </a:rPr>
-              <a:t>cisa.gov</a:t>
+              <a:t>contact the security team.</a:t>
             </a:r>
             <a:endParaRPr lang="en-US" altLang="en-US" sz="1800" b="1" dirty="0">
               <a:solidFill>
@@ -2609,7 +2419,7 @@
                 </a:solidFill>
                 <a:latin typeface="+mn-lt"/>
               </a:rPr>
-              <a:t>Request services:</a:t>
+              <a:t>To request services,</a:t>
             </a:r>
           </a:p>
           <a:p>
@@ -2620,28 +2430,14 @@
               <a:defRPr/>
             </a:pPr>
             <a:r>
-              <a:rPr lang="en-US" altLang="en-US" sz="1800" b="1" dirty="0" err="1">
+              <a:rPr lang="en-US" altLang="en-US" sz="1800">
                 <a:solidFill>
                   <a:srgbClr val="5A5B5C"/>
                 </a:solidFill>
                 <a:latin typeface="+mn-lt"/>
               </a:rPr>
-              <a:t>vulnerability_info@cisa.dhs.gov</a:t>
+              <a:t>Contact the security team by email.</a:t>
             </a:r>
-            <a:endParaRPr lang="en-US" altLang="en-US" sz="1800" b="1" dirty="0">
-              <a:solidFill>
-                <a:srgbClr val="5A5B5C"/>
-              </a:solidFill>
-              <a:latin typeface="+mn-lt"/>
-            </a:endParaRPr>
-          </a:p>
-          <a:p>
-            <a:pPr algn="r">
-              <a:lnSpc>
-                <a:spcPts val="2400"/>
-              </a:lnSpc>
-              <a:defRPr/>
-            </a:pPr>
             <a:endParaRPr lang="en-US" altLang="en-US" sz="1800" b="1" dirty="0">
               <a:solidFill>
                 <a:srgbClr val="5A5B5C"/>
@@ -2757,41 +2553,6 @@
           </a:p>
         </p:txBody>
       </p:sp>
-      <p:pic>
-        <p:nvPicPr>
-          <p:cNvPr id="11" name="Picture 10">
-            <a:extLst>
-              <a:ext uri="{FF2B5EF4-FFF2-40B4-BE49-F238E27FC236}">
-                <a16:creationId xmlns:a16="http://schemas.microsoft.com/office/drawing/2014/main" id="{C9E1FD5B-EEFF-6F47-8C3B-F2AD15E46211}"/>
-              </a:ext>
-            </a:extLst>
-          </p:cNvPr>
-          <p:cNvPicPr>
-            <a:picLocks noChangeAspect="1"/>
-          </p:cNvPicPr>
-          <p:nvPr userDrawn="1"/>
-        </p:nvPicPr>
-        <p:blipFill>
-          <a:blip r:embed="rId2" cstate="print">
-            <a:extLst>
-              <a:ext uri="{28A0092B-C50C-407E-A947-70E740481C1C}">
-                <a14:useLocalDpi xmlns:a14="http://schemas.microsoft.com/office/drawing/2010/main" val="0"/>
-              </a:ext>
-            </a:extLst>
-          </a:blip>
-          <a:srcRect/>
-          <a:stretch/>
-        </p:blipFill>
-        <p:spPr>
-          <a:xfrm>
-            <a:off x="445930" y="5896740"/>
-            <a:ext cx="685800" cy="682682"/>
-          </a:xfrm>
-          <a:prstGeom prst="rect">
-            <a:avLst/>
-          </a:prstGeom>
-        </p:spPr>
-      </p:pic>
       <p:sp>
         <p:nvSpPr>
           <p:cNvPr id="6" name="Rectangle 5">
@@ -3359,41 +3120,6 @@
           </a:p>
         </p:txBody>
       </p:sp>
-      <p:pic>
-        <p:nvPicPr>
-          <p:cNvPr id="10" name="Picture 9">
-            <a:extLst>
-              <a:ext uri="{FF2B5EF4-FFF2-40B4-BE49-F238E27FC236}">
-                <a16:creationId xmlns:a16="http://schemas.microsoft.com/office/drawing/2014/main" id="{7F2CA565-8683-0C42-85E2-7223F3A06108}"/>
-              </a:ext>
-            </a:extLst>
-          </p:cNvPr>
-          <p:cNvPicPr>
-            <a:picLocks noChangeAspect="1"/>
-          </p:cNvPicPr>
-          <p:nvPr userDrawn="1"/>
-        </p:nvPicPr>
-        <p:blipFill>
-          <a:blip r:embed="rId2" cstate="print">
-            <a:extLst>
-              <a:ext uri="{28A0092B-C50C-407E-A947-70E740481C1C}">
-                <a14:useLocalDpi xmlns:a14="http://schemas.microsoft.com/office/drawing/2010/main" val="0"/>
-              </a:ext>
-            </a:extLst>
-          </a:blip>
-          <a:srcRect/>
-          <a:stretch/>
-        </p:blipFill>
-        <p:spPr>
-          <a:xfrm>
-            <a:off x="445930" y="5896740"/>
-            <a:ext cx="685800" cy="682682"/>
-          </a:xfrm>
-          <a:prstGeom prst="rect">
-            <a:avLst/>
-          </a:prstGeom>
-        </p:spPr>
-      </p:pic>
       <p:sp>
         <p:nvSpPr>
           <p:cNvPr id="5" name="Text Placeholder 4">
@@ -3521,41 +3247,6 @@
           </a:p>
         </p:txBody>
       </p:sp>
-      <p:pic>
-        <p:nvPicPr>
-          <p:cNvPr id="10" name="Picture 9">
-            <a:extLst>
-              <a:ext uri="{FF2B5EF4-FFF2-40B4-BE49-F238E27FC236}">
-                <a16:creationId xmlns:a16="http://schemas.microsoft.com/office/drawing/2014/main" id="{7F2CA565-8683-0C42-85E2-7223F3A06108}"/>
-              </a:ext>
-            </a:extLst>
-          </p:cNvPr>
-          <p:cNvPicPr>
-            <a:picLocks noChangeAspect="1"/>
-          </p:cNvPicPr>
-          <p:nvPr userDrawn="1"/>
-        </p:nvPicPr>
-        <p:blipFill>
-          <a:blip r:embed="rId2" cstate="print">
-            <a:extLst>
-              <a:ext uri="{28A0092B-C50C-407E-A947-70E740481C1C}">
-                <a14:useLocalDpi xmlns:a14="http://schemas.microsoft.com/office/drawing/2010/main" val="0"/>
-              </a:ext>
-            </a:extLst>
-          </a:blip>
-          <a:srcRect/>
-          <a:stretch/>
-        </p:blipFill>
-        <p:spPr>
-          <a:xfrm>
-            <a:off x="445930" y="5896740"/>
-            <a:ext cx="685800" cy="682682"/>
-          </a:xfrm>
-          <a:prstGeom prst="rect">
-            <a:avLst/>
-          </a:prstGeom>
-        </p:spPr>
-      </p:pic>
       <p:sp>
         <p:nvSpPr>
           <p:cNvPr id="5" name="Text Placeholder 4">
@@ -3821,42 +3512,6 @@
           </a:p>
         </p:txBody>
       </p:sp>
-      <p:pic>
-        <p:nvPicPr>
-          <p:cNvPr id="6" name="Picture 5" descr="A close up of a sign&#10;&#10;Description automatically generated">
-            <a:extLst>
-              <a:ext uri="{FF2B5EF4-FFF2-40B4-BE49-F238E27FC236}">
-                <a16:creationId xmlns:a16="http://schemas.microsoft.com/office/drawing/2014/main" id="{78F4EB6B-5496-F64E-827A-7FAC86A7EF2D}"/>
-              </a:ext>
-            </a:extLst>
-          </p:cNvPr>
-          <p:cNvPicPr>
-            <a:picLocks noChangeAspect="1"/>
-          </p:cNvPicPr>
-          <p:nvPr userDrawn="1"/>
-        </p:nvPicPr>
-        <p:blipFill>
-          <a:blip r:embed="rId2" cstate="print">
-            <a:extLst>
-              <a:ext uri="{28A0092B-C50C-407E-A947-70E740481C1C}">
-                <a14:useLocalDpi xmlns:a14="http://schemas.microsoft.com/office/drawing/2010/main" val="0"/>
-              </a:ext>
-            </a:extLst>
-          </a:blip>
-          <a:stretch>
-            <a:fillRect/>
-          </a:stretch>
-        </p:blipFill>
-        <p:spPr>
-          <a:xfrm>
-            <a:off x="2286000" y="1143000"/>
-            <a:ext cx="4572000" cy="4572000"/>
-          </a:xfrm>
-          <a:prstGeom prst="rect">
-            <a:avLst/>
-          </a:prstGeom>
-        </p:spPr>
-      </p:pic>
     </p:spTree>
     <p:extLst>
       <p:ext uri="{BB962C8B-B14F-4D97-AF65-F5344CB8AC3E}">
@@ -4029,42 +3684,6 @@
           </a:p>
         </p:txBody>
       </p:sp>
-      <p:pic>
-        <p:nvPicPr>
-          <p:cNvPr id="5" name="Picture 4" descr="A close up of a sign&#10;&#10;Description automatically generated">
-            <a:extLst>
-              <a:ext uri="{FF2B5EF4-FFF2-40B4-BE49-F238E27FC236}">
-                <a16:creationId xmlns:a16="http://schemas.microsoft.com/office/drawing/2014/main" id="{24B43326-0209-9D4B-8CBD-374B2305A684}"/>
-              </a:ext>
-            </a:extLst>
-          </p:cNvPr>
-          <p:cNvPicPr>
-            <a:picLocks noChangeAspect="1"/>
-          </p:cNvPicPr>
-          <p:nvPr userDrawn="1"/>
-        </p:nvPicPr>
-        <p:blipFill>
-          <a:blip r:embed="rId2" cstate="print">
-            <a:extLst>
-              <a:ext uri="{28A0092B-C50C-407E-A947-70E740481C1C}">
-                <a14:useLocalDpi xmlns:a14="http://schemas.microsoft.com/office/drawing/2010/main" val="0"/>
-              </a:ext>
-            </a:extLst>
-          </a:blip>
-          <a:stretch>
-            <a:fillRect/>
-          </a:stretch>
-        </p:blipFill>
-        <p:spPr>
-          <a:xfrm>
-            <a:off x="2286000" y="1143000"/>
-            <a:ext cx="4572000" cy="4572000"/>
-          </a:xfrm>
-          <a:prstGeom prst="rect">
-            <a:avLst/>
-          </a:prstGeom>
-        </p:spPr>
-      </p:pic>
     </p:spTree>
     <p:extLst>
       <p:ext uri="{BB962C8B-B14F-4D97-AF65-F5344CB8AC3E}">
@@ -4446,41 +4065,6 @@
           </a:p>
         </p:txBody>
       </p:sp>
-      <p:pic>
-        <p:nvPicPr>
-          <p:cNvPr id="6" name="Picture 5">
-            <a:extLst>
-              <a:ext uri="{FF2B5EF4-FFF2-40B4-BE49-F238E27FC236}">
-                <a16:creationId xmlns:a16="http://schemas.microsoft.com/office/drawing/2014/main" id="{B85FCA61-C322-684E-896A-B4E656662C60}"/>
-              </a:ext>
-            </a:extLst>
-          </p:cNvPr>
-          <p:cNvPicPr>
-            <a:picLocks noChangeAspect="1"/>
-          </p:cNvPicPr>
-          <p:nvPr userDrawn="1"/>
-        </p:nvPicPr>
-        <p:blipFill>
-          <a:blip r:embed="rId2" cstate="print">
-            <a:extLst>
-              <a:ext uri="{28A0092B-C50C-407E-A947-70E740481C1C}">
-                <a14:useLocalDpi xmlns:a14="http://schemas.microsoft.com/office/drawing/2010/main" val="0"/>
-              </a:ext>
-            </a:extLst>
-          </a:blip>
-          <a:srcRect/>
-          <a:stretch/>
-        </p:blipFill>
-        <p:spPr>
-          <a:xfrm>
-            <a:off x="445930" y="5896740"/>
-            <a:ext cx="685800" cy="682682"/>
-          </a:xfrm>
-          <a:prstGeom prst="rect">
-            <a:avLst/>
-          </a:prstGeom>
-        </p:spPr>
-      </p:pic>
     </p:spTree>
     <p:extLst>
       <p:ext uri="{BB962C8B-B14F-4D97-AF65-F5344CB8AC3E}">
@@ -4562,41 +4146,6 @@
           </a:p>
         </p:txBody>
       </p:sp>
-      <p:pic>
-        <p:nvPicPr>
-          <p:cNvPr id="11" name="Picture 10">
-            <a:extLst>
-              <a:ext uri="{FF2B5EF4-FFF2-40B4-BE49-F238E27FC236}">
-                <a16:creationId xmlns:a16="http://schemas.microsoft.com/office/drawing/2014/main" id="{C9E1FD5B-EEFF-6F47-8C3B-F2AD15E46211}"/>
-              </a:ext>
-            </a:extLst>
-          </p:cNvPr>
-          <p:cNvPicPr>
-            <a:picLocks noChangeAspect="1"/>
-          </p:cNvPicPr>
-          <p:nvPr userDrawn="1"/>
-        </p:nvPicPr>
-        <p:blipFill>
-          <a:blip r:embed="rId2" cstate="print">
-            <a:extLst>
-              <a:ext uri="{28A0092B-C50C-407E-A947-70E740481C1C}">
-                <a14:useLocalDpi xmlns:a14="http://schemas.microsoft.com/office/drawing/2010/main" val="0"/>
-              </a:ext>
-            </a:extLst>
-          </a:blip>
-          <a:srcRect/>
-          <a:stretch/>
-        </p:blipFill>
-        <p:spPr>
-          <a:xfrm>
-            <a:off x="445930" y="5896740"/>
-            <a:ext cx="685800" cy="682682"/>
-          </a:xfrm>
-          <a:prstGeom prst="rect">
-            <a:avLst/>
-          </a:prstGeom>
-        </p:spPr>
-      </p:pic>
       <p:sp>
         <p:nvSpPr>
           <p:cNvPr id="4" name="TextBox 3">
@@ -4812,41 +4361,6 @@
           </a:p>
         </p:txBody>
       </p:sp>
-      <p:pic>
-        <p:nvPicPr>
-          <p:cNvPr id="11" name="Picture 10">
-            <a:extLst>
-              <a:ext uri="{FF2B5EF4-FFF2-40B4-BE49-F238E27FC236}">
-                <a16:creationId xmlns:a16="http://schemas.microsoft.com/office/drawing/2014/main" id="{C9E1FD5B-EEFF-6F47-8C3B-F2AD15E46211}"/>
-              </a:ext>
-            </a:extLst>
-          </p:cNvPr>
-          <p:cNvPicPr>
-            <a:picLocks noChangeAspect="1"/>
-          </p:cNvPicPr>
-          <p:nvPr userDrawn="1"/>
-        </p:nvPicPr>
-        <p:blipFill>
-          <a:blip r:embed="rId2" cstate="print">
-            <a:extLst>
-              <a:ext uri="{28A0092B-C50C-407E-A947-70E740481C1C}">
-                <a14:useLocalDpi xmlns:a14="http://schemas.microsoft.com/office/drawing/2010/main" val="0"/>
-              </a:ext>
-            </a:extLst>
-          </a:blip>
-          <a:srcRect/>
-          <a:stretch/>
-        </p:blipFill>
-        <p:spPr>
-          <a:xfrm>
-            <a:off x="445930" y="5896740"/>
-            <a:ext cx="685800" cy="682682"/>
-          </a:xfrm>
-          <a:prstGeom prst="rect">
-            <a:avLst/>
-          </a:prstGeom>
-        </p:spPr>
-      </p:pic>
       <p:sp>
         <p:nvSpPr>
           <p:cNvPr id="4" name="TextBox 3">
@@ -5279,41 +4793,6 @@
           </a:p>
         </p:txBody>
       </p:sp>
-      <p:pic>
-        <p:nvPicPr>
-          <p:cNvPr id="11" name="Picture 10">
-            <a:extLst>
-              <a:ext uri="{FF2B5EF4-FFF2-40B4-BE49-F238E27FC236}">
-                <a16:creationId xmlns:a16="http://schemas.microsoft.com/office/drawing/2014/main" id="{C9E1FD5B-EEFF-6F47-8C3B-F2AD15E46211}"/>
-              </a:ext>
-            </a:extLst>
-          </p:cNvPr>
-          <p:cNvPicPr>
-            <a:picLocks noChangeAspect="1"/>
-          </p:cNvPicPr>
-          <p:nvPr userDrawn="1"/>
-        </p:nvPicPr>
-        <p:blipFill>
-          <a:blip r:embed="rId2" cstate="print">
-            <a:extLst>
-              <a:ext uri="{28A0092B-C50C-407E-A947-70E740481C1C}">
-                <a14:useLocalDpi xmlns:a14="http://schemas.microsoft.com/office/drawing/2010/main" val="0"/>
-              </a:ext>
-            </a:extLst>
-          </a:blip>
-          <a:srcRect/>
-          <a:stretch/>
-        </p:blipFill>
-        <p:spPr>
-          <a:xfrm>
-            <a:off x="445930" y="5896740"/>
-            <a:ext cx="685800" cy="682682"/>
-          </a:xfrm>
-          <a:prstGeom prst="rect">
-            <a:avLst/>
-          </a:prstGeom>
-        </p:spPr>
-      </p:pic>
       <p:graphicFrame>
         <p:nvGraphicFramePr>
           <p:cNvPr id="2" name="Table 1">
@@ -6765,41 +6244,6 @@
           </a:p>
         </p:txBody>
       </p:sp>
-      <p:pic>
-        <p:nvPicPr>
-          <p:cNvPr id="13" name="Picture 12">
-            <a:extLst>
-              <a:ext uri="{FF2B5EF4-FFF2-40B4-BE49-F238E27FC236}">
-                <a16:creationId xmlns:a16="http://schemas.microsoft.com/office/drawing/2014/main" id="{38FD5218-21F7-AB4F-A4F6-B3808F490283}"/>
-              </a:ext>
-            </a:extLst>
-          </p:cNvPr>
-          <p:cNvPicPr>
-            <a:picLocks noChangeAspect="1"/>
-          </p:cNvPicPr>
-          <p:nvPr userDrawn="1"/>
-        </p:nvPicPr>
-        <p:blipFill>
-          <a:blip r:embed="rId2" cstate="print">
-            <a:extLst>
-              <a:ext uri="{28A0092B-C50C-407E-A947-70E740481C1C}">
-                <a14:useLocalDpi xmlns:a14="http://schemas.microsoft.com/office/drawing/2010/main" val="0"/>
-              </a:ext>
-            </a:extLst>
-          </a:blip>
-          <a:srcRect/>
-          <a:stretch/>
-        </p:blipFill>
-        <p:spPr>
-          <a:xfrm>
-            <a:off x="445930" y="5896740"/>
-            <a:ext cx="685800" cy="682682"/>
-          </a:xfrm>
-          <a:prstGeom prst="rect">
-            <a:avLst/>
-          </a:prstGeom>
-        </p:spPr>
-      </p:pic>
     </p:spTree>
     <p:extLst>
       <p:ext uri="{BB962C8B-B14F-4D97-AF65-F5344CB8AC3E}">
@@ -7086,41 +6530,6 @@
           </a:p>
         </p:txBody>
       </p:sp>
-      <p:pic>
-        <p:nvPicPr>
-          <p:cNvPr id="11" name="Picture 10">
-            <a:extLst>
-              <a:ext uri="{FF2B5EF4-FFF2-40B4-BE49-F238E27FC236}">
-                <a16:creationId xmlns:a16="http://schemas.microsoft.com/office/drawing/2014/main" id="{C9E1FD5B-EEFF-6F47-8C3B-F2AD15E46211}"/>
-              </a:ext>
-            </a:extLst>
-          </p:cNvPr>
-          <p:cNvPicPr>
-            <a:picLocks noChangeAspect="1"/>
-          </p:cNvPicPr>
-          <p:nvPr userDrawn="1"/>
-        </p:nvPicPr>
-        <p:blipFill>
-          <a:blip r:embed="rId2" cstate="print">
-            <a:extLst>
-              <a:ext uri="{28A0092B-C50C-407E-A947-70E740481C1C}">
-                <a14:useLocalDpi xmlns:a14="http://schemas.microsoft.com/office/drawing/2010/main" val="0"/>
-              </a:ext>
-            </a:extLst>
-          </a:blip>
-          <a:srcRect/>
-          <a:stretch/>
-        </p:blipFill>
-        <p:spPr>
-          <a:xfrm>
-            <a:off x="445930" y="5896740"/>
-            <a:ext cx="685800" cy="682682"/>
-          </a:xfrm>
-          <a:prstGeom prst="rect">
-            <a:avLst/>
-          </a:prstGeom>
-        </p:spPr>
-      </p:pic>
     </p:spTree>
     <p:extLst>
       <p:ext uri="{BB962C8B-B14F-4D97-AF65-F5344CB8AC3E}">
@@ -7368,41 +6777,6 @@
           </a:p>
         </p:txBody>
       </p:sp>
-      <p:pic>
-        <p:nvPicPr>
-          <p:cNvPr id="12" name="Picture 11">
-            <a:extLst>
-              <a:ext uri="{FF2B5EF4-FFF2-40B4-BE49-F238E27FC236}">
-                <a16:creationId xmlns:a16="http://schemas.microsoft.com/office/drawing/2014/main" id="{5491366F-461E-C149-9BA1-833136702123}"/>
-              </a:ext>
-            </a:extLst>
-          </p:cNvPr>
-          <p:cNvPicPr>
-            <a:picLocks noChangeAspect="1"/>
-          </p:cNvPicPr>
-          <p:nvPr userDrawn="1"/>
-        </p:nvPicPr>
-        <p:blipFill>
-          <a:blip r:embed="rId2" cstate="print">
-            <a:extLst>
-              <a:ext uri="{28A0092B-C50C-407E-A947-70E740481C1C}">
-                <a14:useLocalDpi xmlns:a14="http://schemas.microsoft.com/office/drawing/2010/main" val="0"/>
-              </a:ext>
-            </a:extLst>
-          </a:blip>
-          <a:srcRect/>
-          <a:stretch/>
-        </p:blipFill>
-        <p:spPr>
-          <a:xfrm>
-            <a:off x="445930" y="5896740"/>
-            <a:ext cx="685800" cy="682682"/>
-          </a:xfrm>
-          <a:prstGeom prst="rect">
-            <a:avLst/>
-          </a:prstGeom>
-        </p:spPr>
-      </p:pic>
     </p:spTree>
     <p:extLst>
       <p:ext uri="{BB962C8B-B14F-4D97-AF65-F5344CB8AC3E}">
@@ -7529,41 +6903,6 @@
           </a:p>
         </p:txBody>
       </p:sp>
-      <p:pic>
-        <p:nvPicPr>
-          <p:cNvPr id="10" name="Picture 9">
-            <a:extLst>
-              <a:ext uri="{FF2B5EF4-FFF2-40B4-BE49-F238E27FC236}">
-                <a16:creationId xmlns:a16="http://schemas.microsoft.com/office/drawing/2014/main" id="{7F2CA565-8683-0C42-85E2-7223F3A06108}"/>
-              </a:ext>
-            </a:extLst>
-          </p:cNvPr>
-          <p:cNvPicPr>
-            <a:picLocks noChangeAspect="1"/>
-          </p:cNvPicPr>
-          <p:nvPr userDrawn="1"/>
-        </p:nvPicPr>
-        <p:blipFill>
-          <a:blip r:embed="rId2" cstate="print">
-            <a:extLst>
-              <a:ext uri="{28A0092B-C50C-407E-A947-70E740481C1C}">
-                <a14:useLocalDpi xmlns:a14="http://schemas.microsoft.com/office/drawing/2010/main" val="0"/>
-              </a:ext>
-            </a:extLst>
-          </a:blip>
-          <a:srcRect/>
-          <a:stretch/>
-        </p:blipFill>
-        <p:spPr>
-          <a:xfrm>
-            <a:off x="445930" y="5896740"/>
-            <a:ext cx="685800" cy="682682"/>
-          </a:xfrm>
-          <a:prstGeom prst="rect">
-            <a:avLst/>
-          </a:prstGeom>
-        </p:spPr>
-      </p:pic>
     </p:spTree>
     <p:extLst>
       <p:ext uri="{BB962C8B-B14F-4D97-AF65-F5344CB8AC3E}">
@@ -7705,7 +7044,7 @@
         <p:spPr>
           <a:xfrm>
             <a:off x="533400" y="6040438"/>
-            <a:ext cx="2514600" cy="554037"/>
+            <a:ext cx="2514600" cy="246221"/>
           </a:xfrm>
           <a:prstGeom prst="rect">
             <a:avLst/>
@@ -7727,33 +7066,7 @@
                   <a:srgbClr val="C0C2C4"/>
                 </a:solidFill>
               </a:rPr>
-              <a:t>CYBERSECURITY &amp;</a:t>
-            </a:r>
-          </a:p>
-          <a:p>
-            <a:pPr>
-              <a:defRPr/>
-            </a:pPr>
-            <a:r>
-              <a:rPr lang="en-US" sz="1000" spc="300" dirty="0">
-                <a:solidFill>
-                  <a:srgbClr val="C0C2C4"/>
-                </a:solidFill>
-              </a:rPr>
-              <a:t>INFRASTRUCTURE</a:t>
-            </a:r>
-          </a:p>
-          <a:p>
-            <a:pPr>
-              <a:defRPr/>
-            </a:pPr>
-            <a:r>
-              <a:rPr lang="en-US" sz="1000" spc="300" dirty="0">
-                <a:solidFill>
-                  <a:srgbClr val="C0C2C4"/>
-                </a:solidFill>
-              </a:rPr>
-              <a:t>SECURITY AGENCY</a:t>
+              <a:t>THE SECURITY TEAM</a:t>
             </a:r>
           </a:p>
         </p:txBody>
